--- a/vignettes/schema tl_engine.pptx
+++ b/vignettes/schema tl_engine.pptx
@@ -7,7 +7,7 @@
   <p:sldIdLst>
     <p:sldId id="256" r:id="rId3"/>
   </p:sldIdLst>
-  <p:sldSz cx="10080625" cy="5670550"/>
+  <p:sldSz cx="7559675" cy="10080625"/>
   <p:notesSz cx="7559675" cy="10691812"/>
 </p:presentation>
 </file>
@@ -63,8 +63,8 @@
         </p:nvSpPr>
         <p:spPr>
           <a:xfrm>
-            <a:off x="504000" y="226080"/>
-            <a:ext cx="9071640" cy="946440"/>
+            <a:off x="377640" y="133560"/>
+            <a:ext cx="6803640" cy="2219400"/>
           </a:xfrm>
           <a:prstGeom prst="rect">
             <a:avLst/>
@@ -76,7 +76,7 @@
           </a:bodyPr>
           <a:p>
             <a:pPr algn="ctr"/>
-            <a:endParaRPr b="0" lang="fr-FR" sz="4400" spc="-1" strike="noStrike">
+            <a:endParaRPr b="0" lang="fr-FR" sz="7819" spc="-1" strike="noStrike">
               <a:latin typeface="Arial"/>
             </a:endParaRPr>
           </a:p>
@@ -94,8 +94,8 @@
         </p:nvSpPr>
         <p:spPr>
           <a:xfrm>
-            <a:off x="504000" y="1326600"/>
-            <a:ext cx="9071640" cy="1568160"/>
+            <a:off x="377640" y="2358360"/>
+            <a:ext cx="6803640" cy="2788200"/>
           </a:xfrm>
           <a:prstGeom prst="rect">
             <a:avLst/>
@@ -106,7 +106,7 @@
             <a:normAutofit/>
           </a:bodyPr>
           <a:p>
-            <a:endParaRPr b="0" lang="fr-FR" sz="3200" spc="-1" strike="noStrike">
+            <a:endParaRPr b="0" lang="fr-FR" sz="5690" spc="-1" strike="noStrike">
               <a:latin typeface="Arial"/>
             </a:endParaRPr>
           </a:p>
@@ -124,8 +124,8 @@
         </p:nvSpPr>
         <p:spPr>
           <a:xfrm>
-            <a:off x="504000" y="3044160"/>
-            <a:ext cx="9071640" cy="1568160"/>
+            <a:off x="377640" y="5411880"/>
+            <a:ext cx="6803640" cy="2788200"/>
           </a:xfrm>
           <a:prstGeom prst="rect">
             <a:avLst/>
@@ -136,7 +136,7 @@
             <a:normAutofit/>
           </a:bodyPr>
           <a:p>
-            <a:endParaRPr b="0" lang="fr-FR" sz="3200" spc="-1" strike="noStrike">
+            <a:endParaRPr b="0" lang="fr-FR" sz="5690" spc="-1" strike="noStrike">
               <a:latin typeface="Arial"/>
             </a:endParaRPr>
           </a:p>
@@ -176,8 +176,8 @@
         </p:nvSpPr>
         <p:spPr>
           <a:xfrm>
-            <a:off x="504000" y="226080"/>
-            <a:ext cx="9071640" cy="946440"/>
+            <a:off x="377640" y="133560"/>
+            <a:ext cx="6803640" cy="2219400"/>
           </a:xfrm>
           <a:prstGeom prst="rect">
             <a:avLst/>
@@ -189,7 +189,7 @@
           </a:bodyPr>
           <a:p>
             <a:pPr algn="ctr"/>
-            <a:endParaRPr b="0" lang="fr-FR" sz="4400" spc="-1" strike="noStrike">
+            <a:endParaRPr b="0" lang="fr-FR" sz="7819" spc="-1" strike="noStrike">
               <a:latin typeface="Arial"/>
             </a:endParaRPr>
           </a:p>
@@ -207,8 +207,8 @@
         </p:nvSpPr>
         <p:spPr>
           <a:xfrm>
-            <a:off x="504000" y="1326600"/>
-            <a:ext cx="4426920" cy="1568160"/>
+            <a:off x="377640" y="2358360"/>
+            <a:ext cx="3319920" cy="2788200"/>
           </a:xfrm>
           <a:prstGeom prst="rect">
             <a:avLst/>
@@ -216,10 +216,10 @@
         </p:spPr>
         <p:txBody>
           <a:bodyPr lIns="0" rIns="0" tIns="0" bIns="0">
-            <a:normAutofit/>
-          </a:bodyPr>
-          <a:p>
-            <a:endParaRPr b="0" lang="fr-FR" sz="3200" spc="-1" strike="noStrike">
+            <a:normAutofit fontScale="79000"/>
+          </a:bodyPr>
+          <a:p>
+            <a:endParaRPr b="0" lang="fr-FR" sz="5690" spc="-1" strike="noStrike">
               <a:latin typeface="Arial"/>
             </a:endParaRPr>
           </a:p>
@@ -237,8 +237,8 @@
         </p:nvSpPr>
         <p:spPr>
           <a:xfrm>
-            <a:off x="5152680" y="1326600"/>
-            <a:ext cx="4426920" cy="1568160"/>
+            <a:off x="3863880" y="2358360"/>
+            <a:ext cx="3319920" cy="2788200"/>
           </a:xfrm>
           <a:prstGeom prst="rect">
             <a:avLst/>
@@ -246,10 +246,10 @@
         </p:spPr>
         <p:txBody>
           <a:bodyPr lIns="0" rIns="0" tIns="0" bIns="0">
-            <a:normAutofit/>
-          </a:bodyPr>
-          <a:p>
-            <a:endParaRPr b="0" lang="fr-FR" sz="3200" spc="-1" strike="noStrike">
+            <a:normAutofit fontScale="79000"/>
+          </a:bodyPr>
+          <a:p>
+            <a:endParaRPr b="0" lang="fr-FR" sz="5690" spc="-1" strike="noStrike">
               <a:latin typeface="Arial"/>
             </a:endParaRPr>
           </a:p>
@@ -267,8 +267,8 @@
         </p:nvSpPr>
         <p:spPr>
           <a:xfrm>
-            <a:off x="504000" y="3044160"/>
-            <a:ext cx="4426920" cy="1568160"/>
+            <a:off x="377640" y="5411880"/>
+            <a:ext cx="3319920" cy="2788200"/>
           </a:xfrm>
           <a:prstGeom prst="rect">
             <a:avLst/>
@@ -276,10 +276,10 @@
         </p:spPr>
         <p:txBody>
           <a:bodyPr lIns="0" rIns="0" tIns="0" bIns="0">
-            <a:normAutofit/>
-          </a:bodyPr>
-          <a:p>
-            <a:endParaRPr b="0" lang="fr-FR" sz="3200" spc="-1" strike="noStrike">
+            <a:normAutofit fontScale="79000"/>
+          </a:bodyPr>
+          <a:p>
+            <a:endParaRPr b="0" lang="fr-FR" sz="5690" spc="-1" strike="noStrike">
               <a:latin typeface="Arial"/>
             </a:endParaRPr>
           </a:p>
@@ -297,8 +297,8 @@
         </p:nvSpPr>
         <p:spPr>
           <a:xfrm>
-            <a:off x="5152680" y="3044160"/>
-            <a:ext cx="4426920" cy="1568160"/>
+            <a:off x="3863880" y="5411880"/>
+            <a:ext cx="3319920" cy="2788200"/>
           </a:xfrm>
           <a:prstGeom prst="rect">
             <a:avLst/>
@@ -306,10 +306,10 @@
         </p:spPr>
         <p:txBody>
           <a:bodyPr lIns="0" rIns="0" tIns="0" bIns="0">
-            <a:normAutofit/>
-          </a:bodyPr>
-          <a:p>
-            <a:endParaRPr b="0" lang="fr-FR" sz="3200" spc="-1" strike="noStrike">
+            <a:normAutofit fontScale="79000"/>
+          </a:bodyPr>
+          <a:p>
+            <a:endParaRPr b="0" lang="fr-FR" sz="5690" spc="-1" strike="noStrike">
               <a:latin typeface="Arial"/>
             </a:endParaRPr>
           </a:p>
@@ -349,8 +349,8 @@
         </p:nvSpPr>
         <p:spPr>
           <a:xfrm>
-            <a:off x="504000" y="226080"/>
-            <a:ext cx="9071640" cy="946440"/>
+            <a:off x="377640" y="133560"/>
+            <a:ext cx="6803640" cy="2219400"/>
           </a:xfrm>
           <a:prstGeom prst="rect">
             <a:avLst/>
@@ -362,7 +362,7 @@
           </a:bodyPr>
           <a:p>
             <a:pPr algn="ctr"/>
-            <a:endParaRPr b="0" lang="fr-FR" sz="4400" spc="-1" strike="noStrike">
+            <a:endParaRPr b="0" lang="fr-FR" sz="7819" spc="-1" strike="noStrike">
               <a:latin typeface="Arial"/>
             </a:endParaRPr>
           </a:p>
@@ -380,8 +380,8 @@
         </p:nvSpPr>
         <p:spPr>
           <a:xfrm>
-            <a:off x="504000" y="1326600"/>
-            <a:ext cx="2920680" cy="1568160"/>
+            <a:off x="377640" y="2358360"/>
+            <a:ext cx="2190600" cy="2788200"/>
           </a:xfrm>
           <a:prstGeom prst="rect">
             <a:avLst/>
@@ -389,10 +389,10 @@
         </p:spPr>
         <p:txBody>
           <a:bodyPr lIns="0" rIns="0" tIns="0" bIns="0">
-            <a:normAutofit/>
-          </a:bodyPr>
-          <a:p>
-            <a:endParaRPr b="0" lang="fr-FR" sz="3200" spc="-1" strike="noStrike">
+            <a:normAutofit fontScale="42000"/>
+          </a:bodyPr>
+          <a:p>
+            <a:endParaRPr b="0" lang="fr-FR" sz="5690" spc="-1" strike="noStrike">
               <a:latin typeface="Arial"/>
             </a:endParaRPr>
           </a:p>
@@ -410,8 +410,8 @@
         </p:nvSpPr>
         <p:spPr>
           <a:xfrm>
-            <a:off x="3571200" y="1326600"/>
-            <a:ext cx="2920680" cy="1568160"/>
+            <a:off x="2678040" y="2358360"/>
+            <a:ext cx="2190600" cy="2788200"/>
           </a:xfrm>
           <a:prstGeom prst="rect">
             <a:avLst/>
@@ -419,10 +419,10 @@
         </p:spPr>
         <p:txBody>
           <a:bodyPr lIns="0" rIns="0" tIns="0" bIns="0">
-            <a:normAutofit/>
-          </a:bodyPr>
-          <a:p>
-            <a:endParaRPr b="0" lang="fr-FR" sz="3200" spc="-1" strike="noStrike">
+            <a:normAutofit fontScale="42000"/>
+          </a:bodyPr>
+          <a:p>
+            <a:endParaRPr b="0" lang="fr-FR" sz="5690" spc="-1" strike="noStrike">
               <a:latin typeface="Arial"/>
             </a:endParaRPr>
           </a:p>
@@ -440,8 +440,8 @@
         </p:nvSpPr>
         <p:spPr>
           <a:xfrm>
-            <a:off x="6638040" y="1326600"/>
-            <a:ext cx="2920680" cy="1568160"/>
+            <a:off x="4978800" y="2358360"/>
+            <a:ext cx="2190600" cy="2788200"/>
           </a:xfrm>
           <a:prstGeom prst="rect">
             <a:avLst/>
@@ -449,10 +449,10 @@
         </p:spPr>
         <p:txBody>
           <a:bodyPr lIns="0" rIns="0" tIns="0" bIns="0">
-            <a:normAutofit/>
-          </a:bodyPr>
-          <a:p>
-            <a:endParaRPr b="0" lang="fr-FR" sz="3200" spc="-1" strike="noStrike">
+            <a:normAutofit fontScale="42000"/>
+          </a:bodyPr>
+          <a:p>
+            <a:endParaRPr b="0" lang="fr-FR" sz="5690" spc="-1" strike="noStrike">
               <a:latin typeface="Arial"/>
             </a:endParaRPr>
           </a:p>
@@ -470,8 +470,8 @@
         </p:nvSpPr>
         <p:spPr>
           <a:xfrm>
-            <a:off x="504000" y="3044160"/>
-            <a:ext cx="2920680" cy="1568160"/>
+            <a:off x="377640" y="5411880"/>
+            <a:ext cx="2190600" cy="2788200"/>
           </a:xfrm>
           <a:prstGeom prst="rect">
             <a:avLst/>
@@ -479,10 +479,10 @@
         </p:spPr>
         <p:txBody>
           <a:bodyPr lIns="0" rIns="0" tIns="0" bIns="0">
-            <a:normAutofit/>
-          </a:bodyPr>
-          <a:p>
-            <a:endParaRPr b="0" lang="fr-FR" sz="3200" spc="-1" strike="noStrike">
+            <a:normAutofit fontScale="42000"/>
+          </a:bodyPr>
+          <a:p>
+            <a:endParaRPr b="0" lang="fr-FR" sz="5690" spc="-1" strike="noStrike">
               <a:latin typeface="Arial"/>
             </a:endParaRPr>
           </a:p>
@@ -500,8 +500,8 @@
         </p:nvSpPr>
         <p:spPr>
           <a:xfrm>
-            <a:off x="3571200" y="3044160"/>
-            <a:ext cx="2920680" cy="1568160"/>
+            <a:off x="2678040" y="5411880"/>
+            <a:ext cx="2190600" cy="2788200"/>
           </a:xfrm>
           <a:prstGeom prst="rect">
             <a:avLst/>
@@ -509,10 +509,10 @@
         </p:spPr>
         <p:txBody>
           <a:bodyPr lIns="0" rIns="0" tIns="0" bIns="0">
-            <a:normAutofit/>
-          </a:bodyPr>
-          <a:p>
-            <a:endParaRPr b="0" lang="fr-FR" sz="3200" spc="-1" strike="noStrike">
+            <a:normAutofit fontScale="42000"/>
+          </a:bodyPr>
+          <a:p>
+            <a:endParaRPr b="0" lang="fr-FR" sz="5690" spc="-1" strike="noStrike">
               <a:latin typeface="Arial"/>
             </a:endParaRPr>
           </a:p>
@@ -530,8 +530,8 @@
         </p:nvSpPr>
         <p:spPr>
           <a:xfrm>
-            <a:off x="6638040" y="3044160"/>
-            <a:ext cx="2920680" cy="1568160"/>
+            <a:off x="4978800" y="5411880"/>
+            <a:ext cx="2190600" cy="2788200"/>
           </a:xfrm>
           <a:prstGeom prst="rect">
             <a:avLst/>
@@ -539,10 +539,10 @@
         </p:spPr>
         <p:txBody>
           <a:bodyPr lIns="0" rIns="0" tIns="0" bIns="0">
-            <a:normAutofit/>
-          </a:bodyPr>
-          <a:p>
-            <a:endParaRPr b="0" lang="fr-FR" sz="3200" spc="-1" strike="noStrike">
+            <a:normAutofit fontScale="42000"/>
+          </a:bodyPr>
+          <a:p>
+            <a:endParaRPr b="0" lang="fr-FR" sz="5690" spc="-1" strike="noStrike">
               <a:latin typeface="Arial"/>
             </a:endParaRPr>
           </a:p>
@@ -582,8 +582,8 @@
         </p:nvSpPr>
         <p:spPr>
           <a:xfrm>
-            <a:off x="504000" y="226080"/>
-            <a:ext cx="9071640" cy="946440"/>
+            <a:off x="377640" y="133560"/>
+            <a:ext cx="6803640" cy="2219400"/>
           </a:xfrm>
           <a:prstGeom prst="rect">
             <a:avLst/>
@@ -595,7 +595,7 @@
           </a:bodyPr>
           <a:p>
             <a:pPr algn="ctr"/>
-            <a:endParaRPr b="0" lang="fr-FR" sz="4400" spc="-1" strike="noStrike">
+            <a:endParaRPr b="0" lang="fr-FR" sz="7819" spc="-1" strike="noStrike">
               <a:latin typeface="Arial"/>
             </a:endParaRPr>
           </a:p>
@@ -613,8 +613,8 @@
         </p:nvSpPr>
         <p:spPr>
           <a:xfrm>
-            <a:off x="504000" y="1326600"/>
-            <a:ext cx="9071640" cy="3288240"/>
+            <a:off x="377640" y="2358360"/>
+            <a:ext cx="6803640" cy="5845680"/>
           </a:xfrm>
           <a:prstGeom prst="rect">
             <a:avLst/>
@@ -666,8 +666,8 @@
         </p:nvSpPr>
         <p:spPr>
           <a:xfrm>
-            <a:off x="504000" y="226080"/>
-            <a:ext cx="9071640" cy="946440"/>
+            <a:off x="377640" y="133560"/>
+            <a:ext cx="6803640" cy="2219400"/>
           </a:xfrm>
           <a:prstGeom prst="rect">
             <a:avLst/>
@@ -679,7 +679,7 @@
           </a:bodyPr>
           <a:p>
             <a:pPr algn="ctr"/>
-            <a:endParaRPr b="0" lang="fr-FR" sz="4400" spc="-1" strike="noStrike">
+            <a:endParaRPr b="0" lang="fr-FR" sz="7819" spc="-1" strike="noStrike">
               <a:latin typeface="Arial"/>
             </a:endParaRPr>
           </a:p>
@@ -697,8 +697,8 @@
         </p:nvSpPr>
         <p:spPr>
           <a:xfrm>
-            <a:off x="504000" y="1326600"/>
-            <a:ext cx="9071640" cy="3288240"/>
+            <a:off x="377640" y="2358360"/>
+            <a:ext cx="6803640" cy="5845680"/>
           </a:xfrm>
           <a:prstGeom prst="rect">
             <a:avLst/>
@@ -709,7 +709,7 @@
             <a:normAutofit/>
           </a:bodyPr>
           <a:p>
-            <a:endParaRPr b="0" lang="fr-FR" sz="3200" spc="-1" strike="noStrike">
+            <a:endParaRPr b="0" lang="fr-FR" sz="5690" spc="-1" strike="noStrike">
               <a:latin typeface="Arial"/>
             </a:endParaRPr>
           </a:p>
@@ -749,8 +749,8 @@
         </p:nvSpPr>
         <p:spPr>
           <a:xfrm>
-            <a:off x="504000" y="226080"/>
-            <a:ext cx="9071640" cy="946440"/>
+            <a:off x="377640" y="133560"/>
+            <a:ext cx="6803640" cy="2219400"/>
           </a:xfrm>
           <a:prstGeom prst="rect">
             <a:avLst/>
@@ -762,7 +762,7 @@
           </a:bodyPr>
           <a:p>
             <a:pPr algn="ctr"/>
-            <a:endParaRPr b="0" lang="fr-FR" sz="4400" spc="-1" strike="noStrike">
+            <a:endParaRPr b="0" lang="fr-FR" sz="7819" spc="-1" strike="noStrike">
               <a:latin typeface="Arial"/>
             </a:endParaRPr>
           </a:p>
@@ -780,8 +780,8 @@
         </p:nvSpPr>
         <p:spPr>
           <a:xfrm>
-            <a:off x="504000" y="1326600"/>
-            <a:ext cx="4426920" cy="3288240"/>
+            <a:off x="377640" y="2358360"/>
+            <a:ext cx="3319920" cy="5845680"/>
           </a:xfrm>
           <a:prstGeom prst="rect">
             <a:avLst/>
@@ -792,7 +792,7 @@
             <a:normAutofit/>
           </a:bodyPr>
           <a:p>
-            <a:endParaRPr b="0" lang="fr-FR" sz="3200" spc="-1" strike="noStrike">
+            <a:endParaRPr b="0" lang="fr-FR" sz="5690" spc="-1" strike="noStrike">
               <a:latin typeface="Arial"/>
             </a:endParaRPr>
           </a:p>
@@ -810,8 +810,8 @@
         </p:nvSpPr>
         <p:spPr>
           <a:xfrm>
-            <a:off x="5152680" y="1326600"/>
-            <a:ext cx="4426920" cy="3288240"/>
+            <a:off x="3863880" y="2358360"/>
+            <a:ext cx="3319920" cy="5845680"/>
           </a:xfrm>
           <a:prstGeom prst="rect">
             <a:avLst/>
@@ -822,7 +822,7 @@
             <a:normAutofit/>
           </a:bodyPr>
           <a:p>
-            <a:endParaRPr b="0" lang="fr-FR" sz="3200" spc="-1" strike="noStrike">
+            <a:endParaRPr b="0" lang="fr-FR" sz="5690" spc="-1" strike="noStrike">
               <a:latin typeface="Arial"/>
             </a:endParaRPr>
           </a:p>
@@ -862,8 +862,8 @@
         </p:nvSpPr>
         <p:spPr>
           <a:xfrm>
-            <a:off x="504000" y="226080"/>
-            <a:ext cx="9071640" cy="946440"/>
+            <a:off x="377640" y="133560"/>
+            <a:ext cx="6803640" cy="2219400"/>
           </a:xfrm>
           <a:prstGeom prst="rect">
             <a:avLst/>
@@ -875,7 +875,7 @@
           </a:bodyPr>
           <a:p>
             <a:pPr algn="ctr"/>
-            <a:endParaRPr b="0" lang="fr-FR" sz="4400" spc="-1" strike="noStrike">
+            <a:endParaRPr b="0" lang="fr-FR" sz="7819" spc="-1" strike="noStrike">
               <a:latin typeface="Arial"/>
             </a:endParaRPr>
           </a:p>
@@ -915,8 +915,8 @@
         </p:nvSpPr>
         <p:spPr>
           <a:xfrm>
-            <a:off x="504000" y="226080"/>
-            <a:ext cx="9071640" cy="4388400"/>
+            <a:off x="377640" y="401760"/>
+            <a:ext cx="6803640" cy="7800840"/>
           </a:xfrm>
           <a:prstGeom prst="rect">
             <a:avLst/>
@@ -968,8 +968,8 @@
         </p:nvSpPr>
         <p:spPr>
           <a:xfrm>
-            <a:off x="504000" y="226080"/>
-            <a:ext cx="9071640" cy="946440"/>
+            <a:off x="377640" y="133560"/>
+            <a:ext cx="6803640" cy="2219400"/>
           </a:xfrm>
           <a:prstGeom prst="rect">
             <a:avLst/>
@@ -981,7 +981,7 @@
           </a:bodyPr>
           <a:p>
             <a:pPr algn="ctr"/>
-            <a:endParaRPr b="0" lang="fr-FR" sz="4400" spc="-1" strike="noStrike">
+            <a:endParaRPr b="0" lang="fr-FR" sz="7819" spc="-1" strike="noStrike">
               <a:latin typeface="Arial"/>
             </a:endParaRPr>
           </a:p>
@@ -999,8 +999,38 @@
         </p:nvSpPr>
         <p:spPr>
           <a:xfrm>
-            <a:off x="504000" y="1326600"/>
-            <a:ext cx="4426920" cy="1568160"/>
+            <a:off x="377640" y="2358360"/>
+            <a:ext cx="3319920" cy="2788200"/>
+          </a:xfrm>
+          <a:prstGeom prst="rect">
+            <a:avLst/>
+          </a:prstGeom>
+        </p:spPr>
+        <p:txBody>
+          <a:bodyPr lIns="0" rIns="0" tIns="0" bIns="0">
+            <a:normAutofit fontScale="79000"/>
+          </a:bodyPr>
+          <a:p>
+            <a:endParaRPr b="0" lang="fr-FR" sz="5690" spc="-1" strike="noStrike">
+              <a:latin typeface="Arial"/>
+            </a:endParaRPr>
+          </a:p>
+        </p:txBody>
+      </p:sp>
+      <p:sp>
+        <p:nvSpPr>
+          <p:cNvPr id="16" name="PlaceHolder 3"/>
+          <p:cNvSpPr>
+            <a:spLocks noGrp="1"/>
+          </p:cNvSpPr>
+          <p:nvPr>
+            <p:ph type="body"/>
+          </p:nvPr>
+        </p:nvSpPr>
+        <p:spPr>
+          <a:xfrm>
+            <a:off x="3863880" y="2358360"/>
+            <a:ext cx="3319920" cy="5845680"/>
           </a:xfrm>
           <a:prstGeom prst="rect">
             <a:avLst/>
@@ -1011,15 +1041,15 @@
             <a:normAutofit/>
           </a:bodyPr>
           <a:p>
-            <a:endParaRPr b="0" lang="fr-FR" sz="3200" spc="-1" strike="noStrike">
-              <a:latin typeface="Arial"/>
-            </a:endParaRPr>
-          </a:p>
-        </p:txBody>
-      </p:sp>
-      <p:sp>
-        <p:nvSpPr>
-          <p:cNvPr id="16" name="PlaceHolder 3"/>
+            <a:endParaRPr b="0" lang="fr-FR" sz="5690" spc="-1" strike="noStrike">
+              <a:latin typeface="Arial"/>
+            </a:endParaRPr>
+          </a:p>
+        </p:txBody>
+      </p:sp>
+      <p:sp>
+        <p:nvSpPr>
+          <p:cNvPr id="17" name="PlaceHolder 4"/>
           <p:cNvSpPr>
             <a:spLocks noGrp="1"/>
           </p:cNvSpPr>
@@ -1029,8 +1059,8 @@
         </p:nvSpPr>
         <p:spPr>
           <a:xfrm>
-            <a:off x="5152680" y="1326600"/>
-            <a:ext cx="4426920" cy="3288240"/>
+            <a:off x="377640" y="5411880"/>
+            <a:ext cx="3319920" cy="2788200"/>
           </a:xfrm>
           <a:prstGeom prst="rect">
             <a:avLst/>
@@ -1038,40 +1068,10 @@
         </p:spPr>
         <p:txBody>
           <a:bodyPr lIns="0" rIns="0" tIns="0" bIns="0">
-            <a:normAutofit/>
-          </a:bodyPr>
-          <a:p>
-            <a:endParaRPr b="0" lang="fr-FR" sz="3200" spc="-1" strike="noStrike">
-              <a:latin typeface="Arial"/>
-            </a:endParaRPr>
-          </a:p>
-        </p:txBody>
-      </p:sp>
-      <p:sp>
-        <p:nvSpPr>
-          <p:cNvPr id="17" name="PlaceHolder 4"/>
-          <p:cNvSpPr>
-            <a:spLocks noGrp="1"/>
-          </p:cNvSpPr>
-          <p:nvPr>
-            <p:ph type="body"/>
-          </p:nvPr>
-        </p:nvSpPr>
-        <p:spPr>
-          <a:xfrm>
-            <a:off x="504000" y="3044160"/>
-            <a:ext cx="4426920" cy="1568160"/>
-          </a:xfrm>
-          <a:prstGeom prst="rect">
-            <a:avLst/>
-          </a:prstGeom>
-        </p:spPr>
-        <p:txBody>
-          <a:bodyPr lIns="0" rIns="0" tIns="0" bIns="0">
-            <a:normAutofit/>
-          </a:bodyPr>
-          <a:p>
-            <a:endParaRPr b="0" lang="fr-FR" sz="3200" spc="-1" strike="noStrike">
+            <a:normAutofit fontScale="79000"/>
+          </a:bodyPr>
+          <a:p>
+            <a:endParaRPr b="0" lang="fr-FR" sz="5690" spc="-1" strike="noStrike">
               <a:latin typeface="Arial"/>
             </a:endParaRPr>
           </a:p>
@@ -1111,8 +1111,8 @@
         </p:nvSpPr>
         <p:spPr>
           <a:xfrm>
-            <a:off x="504000" y="226080"/>
-            <a:ext cx="9071640" cy="946440"/>
+            <a:off x="377640" y="133560"/>
+            <a:ext cx="6803640" cy="2219400"/>
           </a:xfrm>
           <a:prstGeom prst="rect">
             <a:avLst/>
@@ -1124,7 +1124,7 @@
           </a:bodyPr>
           <a:p>
             <a:pPr algn="ctr"/>
-            <a:endParaRPr b="0" lang="fr-FR" sz="4400" spc="-1" strike="noStrike">
+            <a:endParaRPr b="0" lang="fr-FR" sz="7819" spc="-1" strike="noStrike">
               <a:latin typeface="Arial"/>
             </a:endParaRPr>
           </a:p>
@@ -1142,8 +1142,8 @@
         </p:nvSpPr>
         <p:spPr>
           <a:xfrm>
-            <a:off x="504000" y="1326600"/>
-            <a:ext cx="4426920" cy="3288240"/>
+            <a:off x="377640" y="2358360"/>
+            <a:ext cx="3319920" cy="5845680"/>
           </a:xfrm>
           <a:prstGeom prst="rect">
             <a:avLst/>
@@ -1154,7 +1154,7 @@
             <a:normAutofit/>
           </a:bodyPr>
           <a:p>
-            <a:endParaRPr b="0" lang="fr-FR" sz="3200" spc="-1" strike="noStrike">
+            <a:endParaRPr b="0" lang="fr-FR" sz="5690" spc="-1" strike="noStrike">
               <a:latin typeface="Arial"/>
             </a:endParaRPr>
           </a:p>
@@ -1172,8 +1172,8 @@
         </p:nvSpPr>
         <p:spPr>
           <a:xfrm>
-            <a:off x="5152680" y="1326600"/>
-            <a:ext cx="4426920" cy="1568160"/>
+            <a:off x="3863880" y="2358360"/>
+            <a:ext cx="3319920" cy="2788200"/>
           </a:xfrm>
           <a:prstGeom prst="rect">
             <a:avLst/>
@@ -1181,10 +1181,10 @@
         </p:spPr>
         <p:txBody>
           <a:bodyPr lIns="0" rIns="0" tIns="0" bIns="0">
-            <a:normAutofit/>
-          </a:bodyPr>
-          <a:p>
-            <a:endParaRPr b="0" lang="fr-FR" sz="3200" spc="-1" strike="noStrike">
+            <a:normAutofit fontScale="79000"/>
+          </a:bodyPr>
+          <a:p>
+            <a:endParaRPr b="0" lang="fr-FR" sz="5690" spc="-1" strike="noStrike">
               <a:latin typeface="Arial"/>
             </a:endParaRPr>
           </a:p>
@@ -1202,8 +1202,8 @@
         </p:nvSpPr>
         <p:spPr>
           <a:xfrm>
-            <a:off x="5152680" y="3044160"/>
-            <a:ext cx="4426920" cy="1568160"/>
+            <a:off x="3863880" y="5411880"/>
+            <a:ext cx="3319920" cy="2788200"/>
           </a:xfrm>
           <a:prstGeom prst="rect">
             <a:avLst/>
@@ -1211,10 +1211,10 @@
         </p:spPr>
         <p:txBody>
           <a:bodyPr lIns="0" rIns="0" tIns="0" bIns="0">
-            <a:normAutofit/>
-          </a:bodyPr>
-          <a:p>
-            <a:endParaRPr b="0" lang="fr-FR" sz="3200" spc="-1" strike="noStrike">
+            <a:normAutofit fontScale="79000"/>
+          </a:bodyPr>
+          <a:p>
+            <a:endParaRPr b="0" lang="fr-FR" sz="5690" spc="-1" strike="noStrike">
               <a:latin typeface="Arial"/>
             </a:endParaRPr>
           </a:p>
@@ -1254,8 +1254,8 @@
         </p:nvSpPr>
         <p:spPr>
           <a:xfrm>
-            <a:off x="504000" y="226080"/>
-            <a:ext cx="9071640" cy="946440"/>
+            <a:off x="377640" y="133560"/>
+            <a:ext cx="6803640" cy="2219400"/>
           </a:xfrm>
           <a:prstGeom prst="rect">
             <a:avLst/>
@@ -1267,7 +1267,7 @@
           </a:bodyPr>
           <a:p>
             <a:pPr algn="ctr"/>
-            <a:endParaRPr b="0" lang="fr-FR" sz="4400" spc="-1" strike="noStrike">
+            <a:endParaRPr b="0" lang="fr-FR" sz="7819" spc="-1" strike="noStrike">
               <a:latin typeface="Arial"/>
             </a:endParaRPr>
           </a:p>
@@ -1285,8 +1285,68 @@
         </p:nvSpPr>
         <p:spPr>
           <a:xfrm>
-            <a:off x="504000" y="1326600"/>
-            <a:ext cx="4426920" cy="1568160"/>
+            <a:off x="377640" y="2358360"/>
+            <a:ext cx="3319920" cy="2788200"/>
+          </a:xfrm>
+          <a:prstGeom prst="rect">
+            <a:avLst/>
+          </a:prstGeom>
+        </p:spPr>
+        <p:txBody>
+          <a:bodyPr lIns="0" rIns="0" tIns="0" bIns="0">
+            <a:normAutofit fontScale="79000"/>
+          </a:bodyPr>
+          <a:p>
+            <a:endParaRPr b="0" lang="fr-FR" sz="5690" spc="-1" strike="noStrike">
+              <a:latin typeface="Arial"/>
+            </a:endParaRPr>
+          </a:p>
+        </p:txBody>
+      </p:sp>
+      <p:sp>
+        <p:nvSpPr>
+          <p:cNvPr id="24" name="PlaceHolder 3"/>
+          <p:cNvSpPr>
+            <a:spLocks noGrp="1"/>
+          </p:cNvSpPr>
+          <p:nvPr>
+            <p:ph type="body"/>
+          </p:nvPr>
+        </p:nvSpPr>
+        <p:spPr>
+          <a:xfrm>
+            <a:off x="3863880" y="2358360"/>
+            <a:ext cx="3319920" cy="2788200"/>
+          </a:xfrm>
+          <a:prstGeom prst="rect">
+            <a:avLst/>
+          </a:prstGeom>
+        </p:spPr>
+        <p:txBody>
+          <a:bodyPr lIns="0" rIns="0" tIns="0" bIns="0">
+            <a:normAutofit fontScale="79000"/>
+          </a:bodyPr>
+          <a:p>
+            <a:endParaRPr b="0" lang="fr-FR" sz="5690" spc="-1" strike="noStrike">
+              <a:latin typeface="Arial"/>
+            </a:endParaRPr>
+          </a:p>
+        </p:txBody>
+      </p:sp>
+      <p:sp>
+        <p:nvSpPr>
+          <p:cNvPr id="25" name="PlaceHolder 4"/>
+          <p:cNvSpPr>
+            <a:spLocks noGrp="1"/>
+          </p:cNvSpPr>
+          <p:nvPr>
+            <p:ph type="body"/>
+          </p:nvPr>
+        </p:nvSpPr>
+        <p:spPr>
+          <a:xfrm>
+            <a:off x="377640" y="5411880"/>
+            <a:ext cx="6803640" cy="2788200"/>
           </a:xfrm>
           <a:prstGeom prst="rect">
             <a:avLst/>
@@ -1297,67 +1357,7 @@
             <a:normAutofit/>
           </a:bodyPr>
           <a:p>
-            <a:endParaRPr b="0" lang="fr-FR" sz="3200" spc="-1" strike="noStrike">
-              <a:latin typeface="Arial"/>
-            </a:endParaRPr>
-          </a:p>
-        </p:txBody>
-      </p:sp>
-      <p:sp>
-        <p:nvSpPr>
-          <p:cNvPr id="24" name="PlaceHolder 3"/>
-          <p:cNvSpPr>
-            <a:spLocks noGrp="1"/>
-          </p:cNvSpPr>
-          <p:nvPr>
-            <p:ph type="body"/>
-          </p:nvPr>
-        </p:nvSpPr>
-        <p:spPr>
-          <a:xfrm>
-            <a:off x="5152680" y="1326600"/>
-            <a:ext cx="4426920" cy="1568160"/>
-          </a:xfrm>
-          <a:prstGeom prst="rect">
-            <a:avLst/>
-          </a:prstGeom>
-        </p:spPr>
-        <p:txBody>
-          <a:bodyPr lIns="0" rIns="0" tIns="0" bIns="0">
-            <a:normAutofit/>
-          </a:bodyPr>
-          <a:p>
-            <a:endParaRPr b="0" lang="fr-FR" sz="3200" spc="-1" strike="noStrike">
-              <a:latin typeface="Arial"/>
-            </a:endParaRPr>
-          </a:p>
-        </p:txBody>
-      </p:sp>
-      <p:sp>
-        <p:nvSpPr>
-          <p:cNvPr id="25" name="PlaceHolder 4"/>
-          <p:cNvSpPr>
-            <a:spLocks noGrp="1"/>
-          </p:cNvSpPr>
-          <p:nvPr>
-            <p:ph type="body"/>
-          </p:nvPr>
-        </p:nvSpPr>
-        <p:spPr>
-          <a:xfrm>
-            <a:off x="504000" y="3044160"/>
-            <a:ext cx="9071640" cy="1568160"/>
-          </a:xfrm>
-          <a:prstGeom prst="rect">
-            <a:avLst/>
-          </a:prstGeom>
-        </p:spPr>
-        <p:txBody>
-          <a:bodyPr lIns="0" rIns="0" tIns="0" bIns="0">
-            <a:normAutofit/>
-          </a:bodyPr>
-          <a:p>
-            <a:endParaRPr b="0" lang="fr-FR" sz="3200" spc="-1" strike="noStrike">
+            <a:endParaRPr b="0" lang="fr-FR" sz="5690" spc="-1" strike="noStrike">
               <a:latin typeface="Arial"/>
             </a:endParaRPr>
           </a:p>
@@ -1397,8 +1397,8 @@
         </p:nvSpPr>
         <p:spPr>
           <a:xfrm>
-            <a:off x="504000" y="226080"/>
-            <a:ext cx="9071640" cy="946440"/>
+            <a:off x="377640" y="401760"/>
+            <a:ext cx="6803640" cy="1682640"/>
           </a:xfrm>
           <a:prstGeom prst="rect">
             <a:avLst/>
@@ -1411,60 +1411,12 @@
           <a:p>
             <a:pPr algn="ctr"/>
             <a:r>
-              <a:rPr b="0" lang="fr-FR" sz="4400" spc="-1" strike="noStrike">
+              <a:rPr b="0" lang="fr-FR" sz="7819" spc="-1" strike="noStrike">
                 <a:latin typeface="Arial"/>
               </a:rPr>
-              <a:t>Cliqu</a:t>
-            </a:r>
-            <a:r>
-              <a:rPr b="0" lang="fr-FR" sz="4400" spc="-1" strike="noStrike">
-                <a:latin typeface="Arial"/>
-              </a:rPr>
-              <a:t>ez </a:t>
-            </a:r>
-            <a:r>
-              <a:rPr b="0" lang="fr-FR" sz="4400" spc="-1" strike="noStrike">
-                <a:latin typeface="Arial"/>
-              </a:rPr>
-              <a:t>pour </a:t>
-            </a:r>
-            <a:r>
-              <a:rPr b="0" lang="fr-FR" sz="4400" spc="-1" strike="noStrike">
-                <a:latin typeface="Arial"/>
-              </a:rPr>
-              <a:t>édite</a:t>
-            </a:r>
-            <a:r>
-              <a:rPr b="0" lang="fr-FR" sz="4400" spc="-1" strike="noStrike">
-                <a:latin typeface="Arial"/>
-              </a:rPr>
-              <a:t>r le </a:t>
-            </a:r>
-            <a:r>
-              <a:rPr b="0" lang="fr-FR" sz="4400" spc="-1" strike="noStrike">
-                <a:latin typeface="Arial"/>
-              </a:rPr>
-              <a:t>form</a:t>
-            </a:r>
-            <a:r>
-              <a:rPr b="0" lang="fr-FR" sz="4400" spc="-1" strike="noStrike">
-                <a:latin typeface="Arial"/>
-              </a:rPr>
-              <a:t>at du </a:t>
-            </a:r>
-            <a:r>
-              <a:rPr b="0" lang="fr-FR" sz="4400" spc="-1" strike="noStrike">
-                <a:latin typeface="Arial"/>
-              </a:rPr>
-              <a:t>texte</a:t>
-            </a:r>
-            <a:r>
-              <a:rPr b="0" lang="fr-FR" sz="4400" spc="-1" strike="noStrike">
-                <a:latin typeface="Arial"/>
-              </a:rPr>
-              <a:t>-titre</a:t>
-            </a:r>
-            <a:endParaRPr b="0" lang="fr-FR" sz="4400" spc="-1" strike="noStrike">
+              <a:t>Cliquez pour éditer le format du texte-titre</a:t>
+            </a:r>
+            <a:endParaRPr b="0" lang="fr-FR" sz="7819" spc="-1" strike="noStrike">
               <a:latin typeface="Arial"/>
             </a:endParaRPr>
           </a:p>
@@ -1482,8 +1434,8 @@
         </p:nvSpPr>
         <p:spPr>
           <a:xfrm>
-            <a:off x="504000" y="1326600"/>
-            <a:ext cx="9071640" cy="3288240"/>
+            <a:off x="377640" y="2358360"/>
+            <a:ext cx="6803640" cy="5845680"/>
           </a:xfrm>
           <a:prstGeom prst="rect">
             <a:avLst/>
@@ -1491,12 +1443,12 @@
         </p:spPr>
         <p:txBody>
           <a:bodyPr lIns="0" rIns="0" tIns="0" bIns="0">
-            <a:normAutofit/>
+            <a:normAutofit fontScale="45000"/>
           </a:bodyPr>
           <a:p>
             <a:pPr marL="432000" indent="-324000">
               <a:spcBef>
-                <a:spcPts val="1417"/>
+                <a:spcPts val="2517"/>
               </a:spcBef>
               <a:buClr>
                 <a:srgbClr val="000000"/>
@@ -1506,19 +1458,19 @@
               <a:buChar char=""/>
             </a:pPr>
             <a:r>
-              <a:rPr b="0" lang="fr-FR" sz="3200" spc="-1" strike="noStrike">
+              <a:rPr b="0" lang="fr-FR" sz="5690" spc="-1" strike="noStrike">
                 <a:latin typeface="Arial"/>
               </a:rPr>
               <a:t>Cliquez pour éditer le format du plan de texte</a:t>
             </a:r>
-            <a:endParaRPr b="0" lang="fr-FR" sz="3200" spc="-1" strike="noStrike">
+            <a:endParaRPr b="0" lang="fr-FR" sz="5690" spc="-1" strike="noStrike">
               <a:latin typeface="Arial"/>
             </a:endParaRPr>
           </a:p>
           <a:p>
             <a:pPr lvl="1" marL="864000" indent="-324000">
               <a:spcBef>
-                <a:spcPts val="1134"/>
+                <a:spcPts val="2013"/>
               </a:spcBef>
               <a:buClr>
                 <a:srgbClr val="000000"/>
@@ -1528,19 +1480,19 @@
               <a:buChar char=""/>
             </a:pPr>
             <a:r>
-              <a:rPr b="0" lang="fr-FR" sz="2800" spc="-1" strike="noStrike">
+              <a:rPr b="0" lang="fr-FR" sz="4970" spc="-1" strike="noStrike">
                 <a:latin typeface="Arial"/>
               </a:rPr>
               <a:t>Second niveau de plan</a:t>
             </a:r>
-            <a:endParaRPr b="0" lang="fr-FR" sz="2800" spc="-1" strike="noStrike">
+            <a:endParaRPr b="0" lang="fr-FR" sz="4970" spc="-1" strike="noStrike">
               <a:latin typeface="Arial"/>
             </a:endParaRPr>
           </a:p>
           <a:p>
             <a:pPr lvl="2" marL="1296000" indent="-288000">
               <a:spcBef>
-                <a:spcPts val="850"/>
+                <a:spcPts val="1511"/>
               </a:spcBef>
               <a:buClr>
                 <a:srgbClr val="000000"/>
@@ -1550,19 +1502,19 @@
               <a:buChar char=""/>
             </a:pPr>
             <a:r>
-              <a:rPr b="0" lang="fr-FR" sz="2400" spc="-1" strike="noStrike">
+              <a:rPr b="0" lang="fr-FR" sz="4270" spc="-1" strike="noStrike">
                 <a:latin typeface="Arial"/>
               </a:rPr>
               <a:t>Troisième niveau de plan</a:t>
             </a:r>
-            <a:endParaRPr b="0" lang="fr-FR" sz="2400" spc="-1" strike="noStrike">
+            <a:endParaRPr b="0" lang="fr-FR" sz="4270" spc="-1" strike="noStrike">
               <a:latin typeface="Arial"/>
             </a:endParaRPr>
           </a:p>
           <a:p>
             <a:pPr lvl="3" marL="1728000" indent="-216000">
               <a:spcBef>
-                <a:spcPts val="567"/>
+                <a:spcPts val="1006"/>
               </a:spcBef>
               <a:buClr>
                 <a:srgbClr val="000000"/>
@@ -1572,19 +1524,19 @@
               <a:buChar char=""/>
             </a:pPr>
             <a:r>
-              <a:rPr b="0" lang="fr-FR" sz="2000" spc="-1" strike="noStrike">
+              <a:rPr b="0" lang="fr-FR" sz="3550" spc="-1" strike="noStrike">
                 <a:latin typeface="Arial"/>
               </a:rPr>
               <a:t>Quatrième niveau de plan</a:t>
             </a:r>
-            <a:endParaRPr b="0" lang="fr-FR" sz="2000" spc="-1" strike="noStrike">
+            <a:endParaRPr b="0" lang="fr-FR" sz="3550" spc="-1" strike="noStrike">
               <a:latin typeface="Arial"/>
             </a:endParaRPr>
           </a:p>
           <a:p>
             <a:pPr lvl="4" marL="2160000" indent="-216000">
               <a:spcBef>
-                <a:spcPts val="283"/>
+                <a:spcPts val="502"/>
               </a:spcBef>
               <a:buClr>
                 <a:srgbClr val="000000"/>
@@ -1594,19 +1546,19 @@
               <a:buChar char=""/>
             </a:pPr>
             <a:r>
-              <a:rPr b="0" lang="fr-FR" sz="2000" spc="-1" strike="noStrike">
+              <a:rPr b="0" lang="fr-FR" sz="3550" spc="-1" strike="noStrike">
                 <a:latin typeface="Arial"/>
               </a:rPr>
               <a:t>Cinquième niveau de plan</a:t>
             </a:r>
-            <a:endParaRPr b="0" lang="fr-FR" sz="2000" spc="-1" strike="noStrike">
+            <a:endParaRPr b="0" lang="fr-FR" sz="3550" spc="-1" strike="noStrike">
               <a:latin typeface="Arial"/>
             </a:endParaRPr>
           </a:p>
           <a:p>
             <a:pPr lvl="5" marL="2592000" indent="-216000">
               <a:spcBef>
-                <a:spcPts val="283"/>
+                <a:spcPts val="502"/>
               </a:spcBef>
               <a:buClr>
                 <a:srgbClr val="000000"/>
@@ -1616,19 +1568,19 @@
               <a:buChar char=""/>
             </a:pPr>
             <a:r>
-              <a:rPr b="0" lang="fr-FR" sz="2000" spc="-1" strike="noStrike">
+              <a:rPr b="0" lang="fr-FR" sz="3550" spc="-1" strike="noStrike">
                 <a:latin typeface="Arial"/>
               </a:rPr>
               <a:t>Sixième niveau de plan</a:t>
             </a:r>
-            <a:endParaRPr b="0" lang="fr-FR" sz="2000" spc="-1" strike="noStrike">
+            <a:endParaRPr b="0" lang="fr-FR" sz="3550" spc="-1" strike="noStrike">
               <a:latin typeface="Arial"/>
             </a:endParaRPr>
           </a:p>
           <a:p>
             <a:pPr lvl="6" marL="3024000" indent="-216000">
               <a:spcBef>
-                <a:spcPts val="283"/>
+                <a:spcPts val="502"/>
               </a:spcBef>
               <a:buClr>
                 <a:srgbClr val="000000"/>
@@ -1638,12 +1590,12 @@
               <a:buChar char=""/>
             </a:pPr>
             <a:r>
-              <a:rPr b="0" lang="fr-FR" sz="2000" spc="-1" strike="noStrike">
+              <a:rPr b="0" lang="fr-FR" sz="3550" spc="-1" strike="noStrike">
                 <a:latin typeface="Arial"/>
               </a:rPr>
               <a:t>Septième niveau de plan</a:t>
             </a:r>
-            <a:endParaRPr b="0" lang="fr-FR" sz="2000" spc="-1" strike="noStrike">
+            <a:endParaRPr b="0" lang="fr-FR" sz="3550" spc="-1" strike="noStrike">
               <a:latin typeface="Arial"/>
             </a:endParaRPr>
           </a:p>
@@ -1661,8 +1613,8 @@
         </p:nvSpPr>
         <p:spPr>
           <a:xfrm>
-            <a:off x="504000" y="5165280"/>
-            <a:ext cx="2348280" cy="390600"/>
+            <a:off x="377640" y="9182520"/>
+            <a:ext cx="1761120" cy="694440"/>
           </a:xfrm>
           <a:prstGeom prst="rect">
             <a:avLst/>
@@ -1697,8 +1649,8 @@
         </p:nvSpPr>
         <p:spPr>
           <a:xfrm>
-            <a:off x="3447360" y="5165280"/>
-            <a:ext cx="3195000" cy="390600"/>
+            <a:off x="2585160" y="9182520"/>
+            <a:ext cx="2396160" cy="694440"/>
           </a:xfrm>
           <a:prstGeom prst="rect">
             <a:avLst/>
@@ -1734,8 +1686,8 @@
         </p:nvSpPr>
         <p:spPr>
           <a:xfrm>
-            <a:off x="7227360" y="5165280"/>
-            <a:ext cx="2348280" cy="390600"/>
+            <a:off x="5420160" y="9182520"/>
+            <a:ext cx="1761120" cy="694440"/>
           </a:xfrm>
           <a:prstGeom prst="rect">
             <a:avLst/>
@@ -1747,7 +1699,7 @@
           </a:bodyPr>
           <a:p>
             <a:pPr algn="r"/>
-            <a:fld id="{FB6C641A-5000-498B-8CC6-B7E404042D8A}" type="slidenum">
+            <a:fld id="{B5102B67-64B4-41B3-8A7F-6EAC9467FA1A}" type="slidenum">
               <a:rPr b="0" lang="fr-FR" sz="1400" spc="-1" strike="noStrike">
                 <a:latin typeface="Times New Roman"/>
               </a:rPr>
@@ -1804,8 +1756,8 @@
         </p:nvSpPr>
         <p:spPr>
           <a:xfrm>
-            <a:off x="1152000" y="360000"/>
-            <a:ext cx="1656000" cy="792000"/>
+            <a:off x="864000" y="640080"/>
+            <a:ext cx="4896000" cy="727920"/>
           </a:xfrm>
           <a:custGeom>
             <a:avLst/>
@@ -1813,96 +1765,96 @@
             <a:ahLst/>
             <a:rect l="0" t="0" r="r" b="b"/>
             <a:pathLst>
-              <a:path w="4602" h="2202">
+              <a:path w="13602" h="2024">
                 <a:moveTo>
-                  <a:pt x="366" y="0"/>
+                  <a:pt x="337" y="0"/>
                 </a:moveTo>
                 <a:lnTo>
-                  <a:pt x="367" y="0"/>
+                  <a:pt x="337" y="0"/>
                 </a:lnTo>
                 <a:cubicBezTo>
-                  <a:pt x="302" y="0"/>
-                  <a:pt x="239" y="17"/>
-                  <a:pt x="183" y="49"/>
-                </a:cubicBezTo>
-                <a:cubicBezTo>
-                  <a:pt x="128" y="81"/>
-                  <a:pt x="81" y="128"/>
-                  <a:pt x="49" y="183"/>
-                </a:cubicBezTo>
-                <a:cubicBezTo>
-                  <a:pt x="17" y="239"/>
-                  <a:pt x="0" y="302"/>
-                  <a:pt x="0" y="367"/>
+                  <a:pt x="278" y="0"/>
+                  <a:pt x="220" y="16"/>
+                  <a:pt x="169" y="45"/>
+                </a:cubicBezTo>
+                <a:cubicBezTo>
+                  <a:pt x="117" y="75"/>
+                  <a:pt x="75" y="117"/>
+                  <a:pt x="45" y="169"/>
+                </a:cubicBezTo>
+                <a:cubicBezTo>
+                  <a:pt x="16" y="220"/>
+                  <a:pt x="0" y="278"/>
+                  <a:pt x="0" y="337"/>
                 </a:cubicBezTo>
                 <a:lnTo>
-                  <a:pt x="0" y="1834"/>
+                  <a:pt x="0" y="1685"/>
                 </a:lnTo>
                 <a:lnTo>
-                  <a:pt x="0" y="1834"/>
+                  <a:pt x="0" y="1686"/>
                 </a:lnTo>
                 <a:cubicBezTo>
-                  <a:pt x="0" y="1899"/>
-                  <a:pt x="17" y="1962"/>
-                  <a:pt x="49" y="2018"/>
-                </a:cubicBezTo>
-                <a:cubicBezTo>
-                  <a:pt x="81" y="2073"/>
-                  <a:pt x="128" y="2120"/>
-                  <a:pt x="183" y="2152"/>
-                </a:cubicBezTo>
-                <a:cubicBezTo>
-                  <a:pt x="239" y="2184"/>
-                  <a:pt x="302" y="2201"/>
-                  <a:pt x="367" y="2201"/>
+                  <a:pt x="0" y="1745"/>
+                  <a:pt x="16" y="1803"/>
+                  <a:pt x="45" y="1854"/>
+                </a:cubicBezTo>
+                <a:cubicBezTo>
+                  <a:pt x="75" y="1906"/>
+                  <a:pt x="117" y="1948"/>
+                  <a:pt x="169" y="1978"/>
+                </a:cubicBezTo>
+                <a:cubicBezTo>
+                  <a:pt x="220" y="2007"/>
+                  <a:pt x="278" y="2023"/>
+                  <a:pt x="337" y="2023"/>
                 </a:cubicBezTo>
                 <a:lnTo>
-                  <a:pt x="4234" y="2201"/>
+                  <a:pt x="13263" y="2023"/>
                 </a:lnTo>
                 <a:lnTo>
-                  <a:pt x="4234" y="2201"/>
+                  <a:pt x="13264" y="2023"/>
                 </a:lnTo>
                 <a:cubicBezTo>
-                  <a:pt x="4299" y="2201"/>
-                  <a:pt x="4362" y="2184"/>
-                  <a:pt x="4418" y="2152"/>
-                </a:cubicBezTo>
-                <a:cubicBezTo>
-                  <a:pt x="4473" y="2120"/>
-                  <a:pt x="4520" y="2073"/>
-                  <a:pt x="4552" y="2018"/>
-                </a:cubicBezTo>
-                <a:cubicBezTo>
-                  <a:pt x="4584" y="1962"/>
-                  <a:pt x="4601" y="1899"/>
-                  <a:pt x="4601" y="1834"/>
+                  <a:pt x="13323" y="2023"/>
+                  <a:pt x="13381" y="2007"/>
+                  <a:pt x="13432" y="1978"/>
+                </a:cubicBezTo>
+                <a:cubicBezTo>
+                  <a:pt x="13484" y="1948"/>
+                  <a:pt x="13526" y="1906"/>
+                  <a:pt x="13556" y="1854"/>
+                </a:cubicBezTo>
+                <a:cubicBezTo>
+                  <a:pt x="13585" y="1803"/>
+                  <a:pt x="13601" y="1745"/>
+                  <a:pt x="13601" y="1686"/>
                 </a:cubicBezTo>
                 <a:lnTo>
-                  <a:pt x="4601" y="366"/>
+                  <a:pt x="13600" y="337"/>
                 </a:lnTo>
                 <a:lnTo>
-                  <a:pt x="4601" y="367"/>
+                  <a:pt x="13601" y="337"/>
                 </a:lnTo>
                 <a:lnTo>
-                  <a:pt x="4601" y="367"/>
+                  <a:pt x="13601" y="337"/>
                 </a:lnTo>
                 <a:cubicBezTo>
-                  <a:pt x="4601" y="302"/>
-                  <a:pt x="4584" y="239"/>
-                  <a:pt x="4552" y="183"/>
-                </a:cubicBezTo>
-                <a:cubicBezTo>
-                  <a:pt x="4520" y="128"/>
-                  <a:pt x="4473" y="81"/>
-                  <a:pt x="4418" y="49"/>
-                </a:cubicBezTo>
-                <a:cubicBezTo>
-                  <a:pt x="4362" y="17"/>
-                  <a:pt x="4299" y="0"/>
-                  <a:pt x="4234" y="0"/>
+                  <a:pt x="13601" y="278"/>
+                  <a:pt x="13585" y="220"/>
+                  <a:pt x="13556" y="169"/>
+                </a:cubicBezTo>
+                <a:cubicBezTo>
+                  <a:pt x="13526" y="117"/>
+                  <a:pt x="13484" y="75"/>
+                  <a:pt x="13432" y="45"/>
+                </a:cubicBezTo>
+                <a:cubicBezTo>
+                  <a:pt x="13381" y="16"/>
+                  <a:pt x="13323" y="0"/>
+                  <a:pt x="13264" y="0"/>
                 </a:cubicBezTo>
                 <a:lnTo>
-                  <a:pt x="366" y="0"/>
+                  <a:pt x="337" y="0"/>
                 </a:lnTo>
               </a:path>
             </a:pathLst>
@@ -1932,7 +1884,13 @@
               <a:rPr b="0" lang="fr-FR" sz="1800" spc="-1" strike="noStrike">
                 <a:latin typeface="Arial"/>
               </a:rPr>
-              <a:t>Mod process</a:t>
+              <a:t>Mod </a:t>
+            </a:r>
+            <a:r>
+              <a:rPr b="0" lang="fr-FR" sz="1800" spc="-1" strike="noStrike">
+                <a:latin typeface="Arial"/>
+              </a:rPr>
+              <a:t>process</a:t>
             </a:r>
             <a:endParaRPr b="0" lang="fr-FR" sz="1800" spc="-1" strike="noStrike">
               <a:latin typeface="Arial"/>
@@ -1948,8 +1906,8 @@
         </p:nvSpPr>
         <p:spPr>
           <a:xfrm>
-            <a:off x="1152000" y="3960000"/>
-            <a:ext cx="1656000" cy="792000"/>
+            <a:off x="864360" y="7039800"/>
+            <a:ext cx="5039640" cy="736200"/>
           </a:xfrm>
           <a:custGeom>
             <a:avLst/>
@@ -1957,96 +1915,96 @@
             <a:ahLst/>
             <a:rect l="0" t="0" r="r" b="b"/>
             <a:pathLst>
-              <a:path w="4602" h="2202">
+              <a:path w="14001" h="2047">
                 <a:moveTo>
-                  <a:pt x="366" y="0"/>
+                  <a:pt x="341" y="0"/>
                 </a:moveTo>
                 <a:lnTo>
-                  <a:pt x="367" y="0"/>
+                  <a:pt x="341" y="0"/>
                 </a:lnTo>
                 <a:cubicBezTo>
-                  <a:pt x="302" y="0"/>
-                  <a:pt x="239" y="17"/>
-                  <a:pt x="183" y="49"/>
-                </a:cubicBezTo>
-                <a:cubicBezTo>
-                  <a:pt x="128" y="81"/>
-                  <a:pt x="81" y="128"/>
-                  <a:pt x="49" y="183"/>
-                </a:cubicBezTo>
-                <a:cubicBezTo>
-                  <a:pt x="17" y="239"/>
-                  <a:pt x="0" y="302"/>
-                  <a:pt x="0" y="367"/>
+                  <a:pt x="281" y="0"/>
+                  <a:pt x="222" y="16"/>
+                  <a:pt x="171" y="46"/>
+                </a:cubicBezTo>
+                <a:cubicBezTo>
+                  <a:pt x="119" y="76"/>
+                  <a:pt x="76" y="119"/>
+                  <a:pt x="46" y="171"/>
+                </a:cubicBezTo>
+                <a:cubicBezTo>
+                  <a:pt x="16" y="222"/>
+                  <a:pt x="0" y="281"/>
+                  <a:pt x="0" y="341"/>
                 </a:cubicBezTo>
                 <a:lnTo>
-                  <a:pt x="0" y="1834"/>
+                  <a:pt x="0" y="1705"/>
                 </a:lnTo>
                 <a:lnTo>
-                  <a:pt x="0" y="1834"/>
+                  <a:pt x="0" y="1705"/>
                 </a:lnTo>
                 <a:cubicBezTo>
-                  <a:pt x="0" y="1899"/>
-                  <a:pt x="17" y="1962"/>
-                  <a:pt x="49" y="2018"/>
-                </a:cubicBezTo>
-                <a:cubicBezTo>
-                  <a:pt x="81" y="2073"/>
-                  <a:pt x="128" y="2120"/>
-                  <a:pt x="183" y="2152"/>
-                </a:cubicBezTo>
-                <a:cubicBezTo>
-                  <a:pt x="239" y="2184"/>
-                  <a:pt x="302" y="2201"/>
-                  <a:pt x="367" y="2201"/>
+                  <a:pt x="0" y="1765"/>
+                  <a:pt x="16" y="1824"/>
+                  <a:pt x="46" y="1876"/>
+                </a:cubicBezTo>
+                <a:cubicBezTo>
+                  <a:pt x="76" y="1927"/>
+                  <a:pt x="119" y="1970"/>
+                  <a:pt x="171" y="2000"/>
+                </a:cubicBezTo>
+                <a:cubicBezTo>
+                  <a:pt x="222" y="2030"/>
+                  <a:pt x="281" y="2046"/>
+                  <a:pt x="341" y="2046"/>
                 </a:cubicBezTo>
                 <a:lnTo>
-                  <a:pt x="4234" y="2201"/>
+                  <a:pt x="13659" y="2046"/>
                 </a:lnTo>
                 <a:lnTo>
-                  <a:pt x="4234" y="2201"/>
+                  <a:pt x="13659" y="2046"/>
                 </a:lnTo>
                 <a:cubicBezTo>
-                  <a:pt x="4299" y="2201"/>
-                  <a:pt x="4362" y="2184"/>
-                  <a:pt x="4418" y="2152"/>
-                </a:cubicBezTo>
-                <a:cubicBezTo>
-                  <a:pt x="4473" y="2120"/>
-                  <a:pt x="4520" y="2073"/>
-                  <a:pt x="4552" y="2018"/>
-                </a:cubicBezTo>
-                <a:cubicBezTo>
-                  <a:pt x="4584" y="1962"/>
-                  <a:pt x="4601" y="1899"/>
-                  <a:pt x="4601" y="1834"/>
+                  <a:pt x="13719" y="2046"/>
+                  <a:pt x="13778" y="2030"/>
+                  <a:pt x="13830" y="2000"/>
+                </a:cubicBezTo>
+                <a:cubicBezTo>
+                  <a:pt x="13881" y="1970"/>
+                  <a:pt x="13924" y="1927"/>
+                  <a:pt x="13954" y="1876"/>
+                </a:cubicBezTo>
+                <a:cubicBezTo>
+                  <a:pt x="13984" y="1824"/>
+                  <a:pt x="14000" y="1765"/>
+                  <a:pt x="14000" y="1705"/>
                 </a:cubicBezTo>
                 <a:lnTo>
-                  <a:pt x="4601" y="366"/>
+                  <a:pt x="14000" y="341"/>
                 </a:lnTo>
                 <a:lnTo>
-                  <a:pt x="4601" y="367"/>
+                  <a:pt x="14000" y="341"/>
                 </a:lnTo>
                 <a:lnTo>
-                  <a:pt x="4601" y="367"/>
+                  <a:pt x="14000" y="341"/>
                 </a:lnTo>
                 <a:cubicBezTo>
-                  <a:pt x="4601" y="302"/>
-                  <a:pt x="4584" y="239"/>
-                  <a:pt x="4552" y="183"/>
-                </a:cubicBezTo>
-                <a:cubicBezTo>
-                  <a:pt x="4520" y="128"/>
-                  <a:pt x="4473" y="81"/>
-                  <a:pt x="4418" y="49"/>
-                </a:cubicBezTo>
-                <a:cubicBezTo>
-                  <a:pt x="4362" y="17"/>
-                  <a:pt x="4299" y="0"/>
-                  <a:pt x="4234" y="0"/>
+                  <a:pt x="14000" y="281"/>
+                  <a:pt x="13984" y="222"/>
+                  <a:pt x="13954" y="171"/>
+                </a:cubicBezTo>
+                <a:cubicBezTo>
+                  <a:pt x="13924" y="119"/>
+                  <a:pt x="13881" y="76"/>
+                  <a:pt x="13830" y="46"/>
+                </a:cubicBezTo>
+                <a:cubicBezTo>
+                  <a:pt x="13778" y="16"/>
+                  <a:pt x="13719" y="0"/>
+                  <a:pt x="13659" y="0"/>
                 </a:cubicBezTo>
                 <a:lnTo>
-                  <a:pt x="366" y="0"/>
+                  <a:pt x="341" y="0"/>
                 </a:lnTo>
               </a:path>
             </a:pathLst>
@@ -2092,8 +2050,8 @@
         </p:nvSpPr>
         <p:spPr>
           <a:xfrm>
-            <a:off x="1152000" y="2016000"/>
-            <a:ext cx="1656000" cy="792000"/>
+            <a:off x="864360" y="3583800"/>
+            <a:ext cx="4895640" cy="664200"/>
           </a:xfrm>
           <a:custGeom>
             <a:avLst/>
@@ -2101,96 +2059,96 @@
             <a:ahLst/>
             <a:rect l="0" t="0" r="r" b="b"/>
             <a:pathLst>
-              <a:path w="4602" h="2202">
+              <a:path w="13601" h="1847">
                 <a:moveTo>
-                  <a:pt x="366" y="0"/>
+                  <a:pt x="307" y="0"/>
                 </a:moveTo>
                 <a:lnTo>
-                  <a:pt x="367" y="0"/>
+                  <a:pt x="308" y="0"/>
                 </a:lnTo>
                 <a:cubicBezTo>
-                  <a:pt x="302" y="0"/>
-                  <a:pt x="239" y="17"/>
-                  <a:pt x="183" y="49"/>
-                </a:cubicBezTo>
-                <a:cubicBezTo>
-                  <a:pt x="128" y="81"/>
-                  <a:pt x="81" y="128"/>
-                  <a:pt x="49" y="183"/>
-                </a:cubicBezTo>
-                <a:cubicBezTo>
-                  <a:pt x="17" y="239"/>
-                  <a:pt x="0" y="302"/>
-                  <a:pt x="0" y="367"/>
+                  <a:pt x="254" y="0"/>
+                  <a:pt x="201" y="14"/>
+                  <a:pt x="154" y="41"/>
+                </a:cubicBezTo>
+                <a:cubicBezTo>
+                  <a:pt x="107" y="68"/>
+                  <a:pt x="68" y="107"/>
+                  <a:pt x="41" y="154"/>
+                </a:cubicBezTo>
+                <a:cubicBezTo>
+                  <a:pt x="14" y="201"/>
+                  <a:pt x="0" y="254"/>
+                  <a:pt x="0" y="308"/>
                 </a:cubicBezTo>
                 <a:lnTo>
-                  <a:pt x="0" y="1834"/>
+                  <a:pt x="0" y="1538"/>
                 </a:lnTo>
                 <a:lnTo>
-                  <a:pt x="0" y="1834"/>
+                  <a:pt x="0" y="1538"/>
                 </a:lnTo>
                 <a:cubicBezTo>
-                  <a:pt x="0" y="1899"/>
-                  <a:pt x="17" y="1962"/>
-                  <a:pt x="49" y="2018"/>
-                </a:cubicBezTo>
-                <a:cubicBezTo>
-                  <a:pt x="81" y="2073"/>
-                  <a:pt x="128" y="2120"/>
-                  <a:pt x="183" y="2152"/>
-                </a:cubicBezTo>
-                <a:cubicBezTo>
-                  <a:pt x="239" y="2184"/>
-                  <a:pt x="302" y="2201"/>
-                  <a:pt x="367" y="2201"/>
+                  <a:pt x="0" y="1592"/>
+                  <a:pt x="14" y="1645"/>
+                  <a:pt x="41" y="1692"/>
+                </a:cubicBezTo>
+                <a:cubicBezTo>
+                  <a:pt x="68" y="1739"/>
+                  <a:pt x="107" y="1778"/>
+                  <a:pt x="154" y="1805"/>
+                </a:cubicBezTo>
+                <a:cubicBezTo>
+                  <a:pt x="201" y="1832"/>
+                  <a:pt x="254" y="1846"/>
+                  <a:pt x="308" y="1846"/>
                 </a:cubicBezTo>
                 <a:lnTo>
-                  <a:pt x="4234" y="2201"/>
+                  <a:pt x="13292" y="1846"/>
                 </a:lnTo>
                 <a:lnTo>
-                  <a:pt x="4234" y="2201"/>
+                  <a:pt x="13292" y="1846"/>
                 </a:lnTo>
                 <a:cubicBezTo>
-                  <a:pt x="4299" y="2201"/>
-                  <a:pt x="4362" y="2184"/>
-                  <a:pt x="4418" y="2152"/>
-                </a:cubicBezTo>
-                <a:cubicBezTo>
-                  <a:pt x="4473" y="2120"/>
-                  <a:pt x="4520" y="2073"/>
-                  <a:pt x="4552" y="2018"/>
-                </a:cubicBezTo>
-                <a:cubicBezTo>
-                  <a:pt x="4584" y="1962"/>
-                  <a:pt x="4601" y="1899"/>
-                  <a:pt x="4601" y="1834"/>
+                  <a:pt x="13346" y="1846"/>
+                  <a:pt x="13399" y="1832"/>
+                  <a:pt x="13446" y="1805"/>
+                </a:cubicBezTo>
+                <a:cubicBezTo>
+                  <a:pt x="13493" y="1778"/>
+                  <a:pt x="13532" y="1739"/>
+                  <a:pt x="13559" y="1692"/>
+                </a:cubicBezTo>
+                <a:cubicBezTo>
+                  <a:pt x="13586" y="1645"/>
+                  <a:pt x="13600" y="1592"/>
+                  <a:pt x="13600" y="1538"/>
                 </a:cubicBezTo>
                 <a:lnTo>
-                  <a:pt x="4601" y="366"/>
+                  <a:pt x="13600" y="307"/>
                 </a:lnTo>
                 <a:lnTo>
-                  <a:pt x="4601" y="367"/>
+                  <a:pt x="13600" y="308"/>
                 </a:lnTo>
                 <a:lnTo>
-                  <a:pt x="4601" y="367"/>
+                  <a:pt x="13600" y="308"/>
                 </a:lnTo>
                 <a:cubicBezTo>
-                  <a:pt x="4601" y="302"/>
-                  <a:pt x="4584" y="239"/>
-                  <a:pt x="4552" y="183"/>
-                </a:cubicBezTo>
-                <a:cubicBezTo>
-                  <a:pt x="4520" y="128"/>
-                  <a:pt x="4473" y="81"/>
-                  <a:pt x="4418" y="49"/>
-                </a:cubicBezTo>
-                <a:cubicBezTo>
-                  <a:pt x="4362" y="17"/>
-                  <a:pt x="4299" y="0"/>
-                  <a:pt x="4234" y="0"/>
+                  <a:pt x="13600" y="254"/>
+                  <a:pt x="13586" y="201"/>
+                  <a:pt x="13559" y="154"/>
+                </a:cubicBezTo>
+                <a:cubicBezTo>
+                  <a:pt x="13532" y="107"/>
+                  <a:pt x="13493" y="68"/>
+                  <a:pt x="13446" y="41"/>
+                </a:cubicBezTo>
+                <a:cubicBezTo>
+                  <a:pt x="13399" y="14"/>
+                  <a:pt x="13346" y="0"/>
+                  <a:pt x="13292" y="0"/>
                 </a:cubicBezTo>
                 <a:lnTo>
-                  <a:pt x="366" y="0"/>
+                  <a:pt x="307" y="0"/>
                 </a:lnTo>
               </a:path>
             </a:pathLst>
@@ -2221,6 +2179,473 @@
                 <a:latin typeface="Arial"/>
               </a:rPr>
               <a:t>Mod tl_engine</a:t>
+            </a:r>
+            <a:endParaRPr b="0" lang="fr-FR" sz="1800" spc="-1" strike="noStrike">
+              <a:latin typeface="Arial"/>
+            </a:endParaRPr>
+          </a:p>
+        </p:txBody>
+      </p:sp>
+      <p:sp>
+        <p:nvSpPr>
+          <p:cNvPr id="44" name="Line 4"/>
+          <p:cNvSpPr/>
+          <p:nvPr/>
+        </p:nvSpPr>
+        <p:spPr>
+          <a:xfrm>
+            <a:off x="2160000" y="1368000"/>
+            <a:ext cx="0" cy="2215800"/>
+          </a:xfrm>
+          <a:prstGeom prst="line">
+            <a:avLst/>
+          </a:prstGeom>
+          <a:ln w="57240">
+            <a:solidFill>
+              <a:srgbClr val="3465a4"/>
+            </a:solidFill>
+            <a:round/>
+            <a:tailEnd len="med" type="triangle" w="med"/>
+          </a:ln>
+        </p:spPr>
+        <p:style>
+          <a:lnRef idx="0"/>
+          <a:fillRef idx="0"/>
+          <a:effectRef idx="0"/>
+          <a:fontRef idx="minor"/>
+        </p:style>
+      </p:sp>
+      <p:sp>
+        <p:nvSpPr>
+          <p:cNvPr id="45" name="Line 5"/>
+          <p:cNvSpPr/>
+          <p:nvPr/>
+        </p:nvSpPr>
+        <p:spPr>
+          <a:xfrm>
+            <a:off x="2160000" y="4248000"/>
+            <a:ext cx="0" cy="2775600"/>
+          </a:xfrm>
+          <a:prstGeom prst="line">
+            <a:avLst/>
+          </a:prstGeom>
+          <a:ln w="57240">
+            <a:solidFill>
+              <a:srgbClr val="3465a4"/>
+            </a:solidFill>
+            <a:round/>
+            <a:tailEnd len="med" type="triangle" w="med"/>
+          </a:ln>
+        </p:spPr>
+        <p:style>
+          <a:lnRef idx="0"/>
+          <a:fillRef idx="0"/>
+          <a:effectRef idx="0"/>
+          <a:fontRef idx="minor"/>
+        </p:style>
+      </p:sp>
+      <p:sp>
+        <p:nvSpPr>
+          <p:cNvPr id="46" name="Line 6"/>
+          <p:cNvSpPr/>
+          <p:nvPr/>
+        </p:nvSpPr>
+        <p:spPr>
+          <a:xfrm>
+            <a:off x="4824000" y="1368000"/>
+            <a:ext cx="0" cy="2215800"/>
+          </a:xfrm>
+          <a:prstGeom prst="line">
+            <a:avLst/>
+          </a:prstGeom>
+          <a:ln w="57240">
+            <a:solidFill>
+              <a:srgbClr val="3465a4"/>
+            </a:solidFill>
+            <a:round/>
+            <a:headEnd len="med" type="triangle" w="med"/>
+          </a:ln>
+        </p:spPr>
+        <p:style>
+          <a:lnRef idx="0"/>
+          <a:fillRef idx="0"/>
+          <a:effectRef idx="0"/>
+          <a:fontRef idx="minor"/>
+        </p:style>
+      </p:sp>
+      <p:sp>
+        <p:nvSpPr>
+          <p:cNvPr id="47" name="Line 7"/>
+          <p:cNvSpPr/>
+          <p:nvPr/>
+        </p:nvSpPr>
+        <p:spPr>
+          <a:xfrm>
+            <a:off x="4824000" y="4264200"/>
+            <a:ext cx="0" cy="2775600"/>
+          </a:xfrm>
+          <a:prstGeom prst="line">
+            <a:avLst/>
+          </a:prstGeom>
+          <a:ln w="57240">
+            <a:solidFill>
+              <a:srgbClr val="3465a4"/>
+            </a:solidFill>
+            <a:round/>
+            <a:headEnd len="med" type="triangle" w="med"/>
+          </a:ln>
+        </p:spPr>
+        <p:style>
+          <a:lnRef idx="0"/>
+          <a:fillRef idx="0"/>
+          <a:effectRef idx="0"/>
+          <a:fontRef idx="minor"/>
+        </p:style>
+      </p:sp>
+      <p:sp>
+        <p:nvSpPr>
+          <p:cNvPr id="48" name="CustomShape 8"/>
+          <p:cNvSpPr/>
+          <p:nvPr/>
+        </p:nvSpPr>
+        <p:spPr>
+          <a:xfrm rot="42600">
+            <a:off x="5177160" y="5244840"/>
+            <a:ext cx="1728000" cy="1080000"/>
+          </a:xfrm>
+          <a:prstGeom prst="rect">
+            <a:avLst/>
+          </a:prstGeom>
+          <a:solidFill>
+            <a:srgbClr val="dddddd"/>
+          </a:solidFill>
+          <a:ln>
+            <a:solidFill>
+              <a:srgbClr val="3465a4"/>
+            </a:solidFill>
+          </a:ln>
+        </p:spPr>
+        <p:style>
+          <a:lnRef idx="0"/>
+          <a:fillRef idx="0"/>
+          <a:effectRef idx="0"/>
+          <a:fontRef idx="minor"/>
+        </p:style>
+        <p:txBody>
+          <a:bodyPr wrap="none" lIns="90000" rIns="90000" tIns="45000" bIns="45000" anchor="ctr">
+            <a:noAutofit/>
+          </a:bodyPr>
+          <a:p>
+            <a:r>
+              <a:rPr b="0" lang="fr-FR" sz="1800" spc="-1" strike="noStrike">
+                <a:latin typeface="Arial"/>
+              </a:rPr>
+              <a:t> </a:t>
+            </a:r>
+            <a:r>
+              <a:rPr b="1" lang="fr-FR" sz="1800" spc="-1" strike="noStrike">
+                <a:latin typeface="Arial"/>
+              </a:rPr>
+              <a:t>Actions </a:t>
+            </a:r>
+            <a:r>
+              <a:rPr b="0" lang="fr-FR" sz="1800" spc="-1" strike="noStrike">
+                <a:latin typeface="Arial"/>
+              </a:rPr>
+              <a:t>:</a:t>
+            </a:r>
+            <a:endParaRPr b="0" lang="fr-FR" sz="1800" spc="-1" strike="noStrike">
+              <a:latin typeface="Arial"/>
+            </a:endParaRPr>
+          </a:p>
+          <a:p>
+            <a:pPr marL="216000" indent="-216000">
+              <a:buClr>
+                <a:srgbClr val="000000"/>
+              </a:buClr>
+              <a:buSzPct val="45000"/>
+              <a:buFont typeface="Wingdings" charset="2"/>
+              <a:buChar char=""/>
+            </a:pPr>
+            <a:r>
+              <a:rPr b="0" lang="fr-FR" sz="1800" spc="-1" strike="noStrike">
+                <a:latin typeface="Arial"/>
+              </a:rPr>
+              <a:t>RstBtn,</a:t>
+            </a:r>
+            <a:endParaRPr b="0" lang="fr-FR" sz="1800" spc="-1" strike="noStrike">
+              <a:latin typeface="Arial"/>
+            </a:endParaRPr>
+          </a:p>
+          <a:p>
+            <a:pPr marL="216000" indent="-216000">
+              <a:buClr>
+                <a:srgbClr val="000000"/>
+              </a:buClr>
+              <a:buSzPct val="45000"/>
+              <a:buFont typeface="Wingdings" charset="2"/>
+              <a:buChar char=""/>
+            </a:pPr>
+            <a:r>
+              <a:rPr b="0" lang="fr-FR" sz="1800" spc="-1" strike="noStrike">
+                <a:latin typeface="Arial"/>
+              </a:rPr>
+              <a:t>NxtBtn,</a:t>
+            </a:r>
+            <a:endParaRPr b="0" lang="fr-FR" sz="1800" spc="-1" strike="noStrike">
+              <a:latin typeface="Arial"/>
+            </a:endParaRPr>
+          </a:p>
+          <a:p>
+            <a:pPr marL="216000" indent="-216000">
+              <a:buClr>
+                <a:srgbClr val="000000"/>
+              </a:buClr>
+              <a:buSzPct val="45000"/>
+              <a:buFont typeface="Wingdings" charset="2"/>
+              <a:buChar char=""/>
+            </a:pPr>
+            <a:r>
+              <a:rPr b="0" lang="fr-FR" sz="1800" spc="-1" strike="noStrike">
+                <a:latin typeface="Arial"/>
+              </a:rPr>
+              <a:t>PrvBtn</a:t>
+            </a:r>
+            <a:endParaRPr b="0" lang="fr-FR" sz="1800" spc="-1" strike="noStrike">
+              <a:latin typeface="Arial"/>
+            </a:endParaRPr>
+          </a:p>
+        </p:txBody>
+      </p:sp>
+      <p:sp>
+        <p:nvSpPr>
+          <p:cNvPr id="49" name="CustomShape 9"/>
+          <p:cNvSpPr/>
+          <p:nvPr/>
+        </p:nvSpPr>
+        <p:spPr>
+          <a:xfrm rot="42600">
+            <a:off x="5033160" y="1882440"/>
+            <a:ext cx="1728000" cy="1080000"/>
+          </a:xfrm>
+          <a:prstGeom prst="rect">
+            <a:avLst/>
+          </a:prstGeom>
+          <a:solidFill>
+            <a:srgbClr val="dddddd"/>
+          </a:solidFill>
+          <a:ln>
+            <a:solidFill>
+              <a:srgbClr val="3465a4"/>
+            </a:solidFill>
+          </a:ln>
+        </p:spPr>
+        <p:style>
+          <a:lnRef idx="0"/>
+          <a:fillRef idx="0"/>
+          <a:effectRef idx="0"/>
+          <a:fontRef idx="minor"/>
+        </p:style>
+        <p:txBody>
+          <a:bodyPr wrap="none" lIns="90000" rIns="90000" tIns="45000" bIns="45000" anchor="ctr">
+            <a:noAutofit/>
+          </a:bodyPr>
+          <a:p>
+            <a:pPr algn="ctr"/>
+            <a:r>
+              <a:rPr b="0" lang="fr-FR" sz="1800" spc="-1" strike="noStrike">
+                <a:latin typeface="Arial"/>
+              </a:rPr>
+              <a:t> </a:t>
+            </a:r>
+            <a:r>
+              <a:rPr b="1" lang="fr-FR" sz="1800" spc="-1" strike="noStrike">
+                <a:latin typeface="Arial"/>
+              </a:rPr>
+              <a:t>Actions </a:t>
+            </a:r>
+            <a:r>
+              <a:rPr b="0" lang="fr-FR" sz="1800" spc="-1" strike="noStrike">
+                <a:latin typeface="Arial"/>
+              </a:rPr>
+              <a:t>:</a:t>
+            </a:r>
+            <a:endParaRPr b="0" lang="fr-FR" sz="1800" spc="-1" strike="noStrike">
+              <a:latin typeface="Arial"/>
+            </a:endParaRPr>
+          </a:p>
+          <a:p>
+            <a:pPr algn="ctr"/>
+            <a:r>
+              <a:rPr b="0" lang="fr-FR" sz="1800" spc="-1" strike="noStrike">
+                <a:latin typeface="Arial"/>
+              </a:rPr>
+              <a:t>RstBtn</a:t>
+            </a:r>
+            <a:endParaRPr b="0" lang="fr-FR" sz="1800" spc="-1" strike="noStrike">
+              <a:latin typeface="Arial"/>
+            </a:endParaRPr>
+          </a:p>
+        </p:txBody>
+      </p:sp>
+      <p:sp>
+        <p:nvSpPr>
+          <p:cNvPr id="50" name="Line 10"/>
+          <p:cNvSpPr/>
+          <p:nvPr/>
+        </p:nvSpPr>
+        <p:spPr>
+          <a:xfrm flipH="1" flipV="1">
+            <a:off x="6192000" y="2736000"/>
+            <a:ext cx="432000" cy="2952000"/>
+          </a:xfrm>
+          <a:prstGeom prst="line">
+            <a:avLst/>
+          </a:prstGeom>
+          <a:ln>
+            <a:solidFill>
+              <a:srgbClr val="3465a4"/>
+            </a:solidFill>
+            <a:custDash>
+              <a:ds d="600000" sp="300000"/>
+            </a:custDash>
+            <a:tailEnd len="med" type="triangle" w="med"/>
+          </a:ln>
+        </p:spPr>
+        <p:style>
+          <a:lnRef idx="0"/>
+          <a:fillRef idx="0"/>
+          <a:effectRef idx="0"/>
+          <a:fontRef idx="minor"/>
+        </p:style>
+      </p:sp>
+      <p:sp>
+        <p:nvSpPr>
+          <p:cNvPr id="51" name="CustomShape 11"/>
+          <p:cNvSpPr/>
+          <p:nvPr/>
+        </p:nvSpPr>
+        <p:spPr>
+          <a:xfrm rot="42600">
+            <a:off x="205920" y="4908240"/>
+            <a:ext cx="2016000" cy="1573200"/>
+          </a:xfrm>
+          <a:prstGeom prst="rect">
+            <a:avLst/>
+          </a:prstGeom>
+          <a:solidFill>
+            <a:srgbClr val="dddddd"/>
+          </a:solidFill>
+          <a:ln>
+            <a:solidFill>
+              <a:srgbClr val="3465a4"/>
+            </a:solidFill>
+          </a:ln>
+        </p:spPr>
+        <p:style>
+          <a:lnRef idx="0"/>
+          <a:fillRef idx="0"/>
+          <a:effectRef idx="0"/>
+          <a:fontRef idx="minor"/>
+        </p:style>
+        <p:txBody>
+          <a:bodyPr wrap="none" lIns="90000" rIns="90000" tIns="45000" bIns="45000" anchor="ctr">
+            <a:noAutofit/>
+          </a:bodyPr>
+          <a:p>
+            <a:r>
+              <a:rPr b="0" lang="fr-FR" sz="1800" spc="-1" strike="noStrike">
+                <a:latin typeface="Arial"/>
+              </a:rPr>
+              <a:t> </a:t>
+            </a:r>
+            <a:r>
+              <a:rPr b="1" lang="fr-FR" sz="1800" spc="-1" strike="noStrike">
+                <a:latin typeface="Arial"/>
+              </a:rPr>
+              <a:t>process_config</a:t>
+            </a:r>
+            <a:r>
+              <a:rPr b="0" lang="fr-FR" sz="1800" spc="-1" strike="noStrike">
+                <a:latin typeface="Arial"/>
+              </a:rPr>
+              <a:t>:</a:t>
+            </a:r>
+            <a:endParaRPr b="0" lang="fr-FR" sz="1800" spc="-1" strike="noStrike">
+              <a:latin typeface="Arial"/>
+            </a:endParaRPr>
+          </a:p>
+          <a:p>
+            <a:pPr marL="216000" indent="-216000">
+              <a:buClr>
+                <a:srgbClr val="000000"/>
+              </a:buClr>
+              <a:buSzPct val="45000"/>
+              <a:buFont typeface="Wingdings" charset="2"/>
+              <a:buChar char=""/>
+            </a:pPr>
+            <a:r>
+              <a:rPr b="0" lang="fr-FR" sz="1800" spc="-1" strike="noStrike">
+                <a:latin typeface="Arial"/>
+              </a:rPr>
+              <a:t>Mandatory</a:t>
+            </a:r>
+            <a:endParaRPr b="0" lang="fr-FR" sz="1800" spc="-1" strike="noStrike">
+              <a:latin typeface="Arial"/>
+            </a:endParaRPr>
+          </a:p>
+          <a:p>
+            <a:pPr marL="216000" indent="-216000">
+              <a:buClr>
+                <a:srgbClr val="000000"/>
+              </a:buClr>
+              <a:buSzPct val="45000"/>
+              <a:buFont typeface="Wingdings" charset="2"/>
+              <a:buChar char=""/>
+            </a:pPr>
+            <a:r>
+              <a:rPr b="0" lang="fr-FR" sz="1800" spc="-1" strike="noStrike">
+                <a:latin typeface="Arial"/>
+              </a:rPr>
+              <a:t>Current.pos</a:t>
+            </a:r>
+            <a:endParaRPr b="0" lang="fr-FR" sz="1800" spc="-1" strike="noStrike">
+              <a:latin typeface="Arial"/>
+            </a:endParaRPr>
+          </a:p>
+          <a:p>
+            <a:pPr marL="216000" indent="-216000">
+              <a:buClr>
+                <a:srgbClr val="000000"/>
+              </a:buClr>
+              <a:buSzPct val="45000"/>
+              <a:buFont typeface="Wingdings" charset="2"/>
+              <a:buChar char=""/>
+            </a:pPr>
+            <a:r>
+              <a:rPr b="0" lang="fr-FR" sz="1800" spc="-1" strike="noStrike">
+                <a:latin typeface="Arial"/>
+              </a:rPr>
+              <a:t>StepsNames</a:t>
+            </a:r>
+            <a:endParaRPr b="0" lang="fr-FR" sz="1800" spc="-1" strike="noStrike">
+              <a:latin typeface="Arial"/>
+            </a:endParaRPr>
+          </a:p>
+          <a:p>
+            <a:pPr marL="216000" indent="-216000">
+              <a:buClr>
+                <a:srgbClr val="000000"/>
+              </a:buClr>
+              <a:buSzPct val="45000"/>
+              <a:buFont typeface="Wingdings" charset="2"/>
+              <a:buChar char=""/>
+            </a:pPr>
+            <a:r>
+              <a:rPr b="0" lang="fr-FR" sz="1800" spc="-1" strike="noStrike">
+                <a:latin typeface="Arial"/>
+              </a:rPr>
+              <a:t>isDone</a:t>
             </a:r>
             <a:endParaRPr b="0" lang="fr-FR" sz="1800" spc="-1" strike="noStrike">
               <a:latin typeface="Arial"/>
